--- a/08_cicd/Jenkins.pptx
+++ b/08_cicd/Jenkins.pptx
@@ -5,7 +5,7 @@
     <p:sldMasterId id="2147483767" r:id="rId1"/>
   </p:sldMasterIdLst>
   <p:notesMasterIdLst>
-    <p:notesMasterId r:id="rId12"/>
+    <p:notesMasterId r:id="rId14"/>
   </p:notesMasterIdLst>
   <p:sldIdLst>
     <p:sldId id="256" r:id="rId2"/>
@@ -15,9 +15,11 @@
     <p:sldId id="343" r:id="rId6"/>
     <p:sldId id="334" r:id="rId7"/>
     <p:sldId id="336" r:id="rId8"/>
-    <p:sldId id="337" r:id="rId9"/>
-    <p:sldId id="338" r:id="rId10"/>
-    <p:sldId id="339" r:id="rId11"/>
+    <p:sldId id="355" r:id="rId9"/>
+    <p:sldId id="356" r:id="rId10"/>
+    <p:sldId id="337" r:id="rId11"/>
+    <p:sldId id="338" r:id="rId12"/>
+    <p:sldId id="339" r:id="rId13"/>
   </p:sldIdLst>
   <p:sldSz cx="12192000" cy="6858000"/>
   <p:notesSz cx="6858000" cy="9144000"/>
@@ -218,7 +220,7 @@
           <a:p>
             <a:fld id="{A43B11FB-9B80-4C19-B4A9-63E0706041E8}" type="datetimeFigureOut">
               <a:rPr lang="en-US" smtClean="0"/>
-              <a:t>1/18/2021</a:t>
+              <a:t>1/17/2022</a:t>
             </a:fld>
             <a:endParaRPr lang="en-US"/>
           </a:p>
@@ -653,7 +655,7 @@
           <a:p>
             <a:fld id="{9E016143-E03C-4CFD-AFDC-14E5BDEA754C}" type="datetimeFigureOut">
               <a:rPr lang="en-US" dirty="0"/>
-              <a:t>1/18/2021</a:t>
+              <a:t>1/17/2022</a:t>
             </a:fld>
             <a:endParaRPr lang="en-US" dirty="0"/>
           </a:p>
@@ -1034,7 +1036,7 @@
           <a:p>
             <a:fld id="{5E6440AA-91A0-436F-8FDB-C0F939DCAE21}" type="datetimeFigureOut">
               <a:rPr lang="en-US" dirty="0"/>
-              <a:t>1/18/2021</a:t>
+              <a:t>1/17/2022</a:t>
             </a:fld>
             <a:endParaRPr lang="en-US" dirty="0"/>
           </a:p>
@@ -1204,7 +1206,7 @@
           <a:p>
             <a:fld id="{C033E54A-A8CA-48C1-9504-691B58049D29}" type="datetimeFigureOut">
               <a:rPr lang="en-US" dirty="0"/>
-              <a:t>1/18/2021</a:t>
+              <a:t>1/17/2022</a:t>
             </a:fld>
             <a:endParaRPr lang="en-US" dirty="0"/>
           </a:p>
@@ -1384,7 +1386,7 @@
           <a:p>
             <a:fld id="{B5F6C806-BBF7-471C-9527-881CE2266695}" type="datetimeFigureOut">
               <a:rPr lang="en-US" dirty="0"/>
-              <a:t>1/18/2021</a:t>
+              <a:t>1/17/2022</a:t>
             </a:fld>
             <a:endParaRPr lang="en-US" dirty="0"/>
           </a:p>
@@ -1809,7 +1811,7 @@
           <a:p>
             <a:fld id="{78C94063-DF36-4330-A365-08DA1FA5B7D6}" type="datetimeFigureOut">
               <a:rPr lang="en-US" dirty="0"/>
-              <a:t>1/18/2021</a:t>
+              <a:t>1/17/2022</a:t>
             </a:fld>
             <a:endParaRPr lang="en-US" dirty="0"/>
           </a:p>
@@ -2053,7 +2055,7 @@
           <a:p>
             <a:fld id="{78C94063-DF36-4330-A365-08DA1FA5B7D6}" type="datetimeFigureOut">
               <a:rPr lang="en-US" dirty="0"/>
-              <a:t>1/18/2021</a:t>
+              <a:t>1/17/2022</a:t>
             </a:fld>
             <a:endParaRPr lang="en-US" dirty="0"/>
           </a:p>
@@ -2323,7 +2325,7 @@
           <a:p>
             <a:fld id="{908A7C6C-0F39-4D70-8E8D-FE5B9C95FA73}" type="datetimeFigureOut">
               <a:rPr lang="en-US" dirty="0"/>
-              <a:t>1/18/2021</a:t>
+              <a:t>1/17/2022</a:t>
             </a:fld>
             <a:endParaRPr lang="en-US" dirty="0"/>
           </a:p>
@@ -2649,7 +2651,7 @@
           <a:p>
             <a:fld id="{DFCFA4AC-08CC-42CE-BD01-C191750A04EC}" type="datetimeFigureOut">
               <a:rPr lang="en-US" dirty="0"/>
-              <a:t>1/18/2021</a:t>
+              <a:t>1/17/2022</a:t>
             </a:fld>
             <a:endParaRPr lang="en-US" dirty="0"/>
           </a:p>
@@ -3100,7 +3102,7 @@
           <a:p>
             <a:fld id="{1BA7A723-92A7-435B-B681-F25B092FEFEB}" type="datetimeFigureOut">
               <a:rPr lang="en-US" dirty="0"/>
-              <a:t>1/18/2021</a:t>
+              <a:t>1/17/2022</a:t>
             </a:fld>
             <a:endParaRPr lang="en-US" dirty="0"/>
           </a:p>
@@ -3218,7 +3220,7 @@
           <a:p>
             <a:fld id="{4F170639-886C-4FCF-9EAB-ABB5DA3F3F4A}" type="datetimeFigureOut">
               <a:rPr lang="en-US" dirty="0"/>
-              <a:t>1/18/2021</a:t>
+              <a:t>1/17/2022</a:t>
             </a:fld>
             <a:endParaRPr lang="en-US" dirty="0"/>
           </a:p>
@@ -3313,7 +3315,7 @@
           <a:p>
             <a:fld id="{22230651-31F4-45D2-98AE-A2108F41BC07}" type="datetimeFigureOut">
               <a:rPr lang="en-US" dirty="0"/>
-              <a:t>1/18/2021</a:t>
+              <a:t>1/17/2022</a:t>
             </a:fld>
             <a:endParaRPr lang="en-US" dirty="0"/>
           </a:p>
@@ -3600,7 +3602,7 @@
           <a:p>
             <a:fld id="{6F53789A-C914-4DB1-8815-80B5EC7335C5}" type="datetimeFigureOut">
               <a:rPr lang="en-US" dirty="0"/>
-              <a:t>1/18/2021</a:t>
+              <a:t>1/17/2022</a:t>
             </a:fld>
             <a:endParaRPr lang="en-US" dirty="0"/>
           </a:p>
@@ -3854,7 +3856,7 @@
           <a:p>
             <a:fld id="{0E59FD0C-5451-4CA0-86AF-E70AE3279989}" type="datetimeFigureOut">
               <a:rPr lang="en-US" dirty="0"/>
-              <a:t>1/18/2021</a:t>
+              <a:t>1/17/2022</a:t>
             </a:fld>
             <a:endParaRPr lang="en-US" dirty="0"/>
           </a:p>
@@ -4416,6 +4418,254 @@
 </file>
 
 <file path=ppt/slides/slide10.xml><?xml version="1.0" encoding="utf-8"?>
+<p:sld xmlns:a="http://schemas.openxmlformats.org/drawingml/2006/main" xmlns:r="http://schemas.openxmlformats.org/officeDocument/2006/relationships" xmlns:p="http://schemas.openxmlformats.org/presentationml/2006/main">
+  <p:cSld>
+    <p:spTree>
+      <p:nvGrpSpPr>
+        <p:cNvPr id="1" name=""/>
+        <p:cNvGrpSpPr/>
+        <p:nvPr/>
+      </p:nvGrpSpPr>
+      <p:grpSpPr>
+        <a:xfrm>
+          <a:off x="0" y="0"/>
+          <a:ext cx="0" cy="0"/>
+          <a:chOff x="0" y="0"/>
+          <a:chExt cx="0" cy="0"/>
+        </a:xfrm>
+      </p:grpSpPr>
+      <p:sp>
+        <p:nvSpPr>
+          <p:cNvPr id="2" name="Title 1">
+            <a:extLst>
+              <a:ext uri="{FF2B5EF4-FFF2-40B4-BE49-F238E27FC236}">
+                <a16:creationId xmlns:a16="http://schemas.microsoft.com/office/drawing/2014/main" id="{EDE6E8EE-775D-4A79-B02D-2A8293344ACF}"/>
+              </a:ext>
+            </a:extLst>
+          </p:cNvPr>
+          <p:cNvSpPr>
+            <a:spLocks noGrp="1"/>
+          </p:cNvSpPr>
+          <p:nvPr>
+            <p:ph type="title"/>
+          </p:nvPr>
+        </p:nvSpPr>
+        <p:spPr/>
+        <p:txBody>
+          <a:bodyPr/>
+          <a:lstStyle/>
+          <a:p>
+            <a:r>
+              <a:rPr lang="en-US" dirty="0"/>
+              <a:t>Jenkins Pipeline</a:t>
+            </a:r>
+          </a:p>
+        </p:txBody>
+      </p:sp>
+      <p:sp>
+        <p:nvSpPr>
+          <p:cNvPr id="3" name="Content Placeholder 2">
+            <a:extLst>
+              <a:ext uri="{FF2B5EF4-FFF2-40B4-BE49-F238E27FC236}">
+                <a16:creationId xmlns:a16="http://schemas.microsoft.com/office/drawing/2014/main" id="{8394AF99-79A4-46D7-B99B-D49907ABB5AE}"/>
+              </a:ext>
+            </a:extLst>
+          </p:cNvPr>
+          <p:cNvSpPr>
+            <a:spLocks noGrp="1"/>
+          </p:cNvSpPr>
+          <p:nvPr>
+            <p:ph idx="1"/>
+          </p:nvPr>
+        </p:nvSpPr>
+        <p:spPr/>
+        <p:txBody>
+          <a:bodyPr/>
+          <a:lstStyle/>
+          <a:p>
+            <a:r>
+              <a:rPr lang="en-US" dirty="0" err="1"/>
+              <a:t>Jenkinsfile</a:t>
+            </a:r>
+            <a:r>
+              <a:rPr lang="en-US" dirty="0"/>
+              <a:t> (describe pipeline using Jenkins Pipeline DSL)</a:t>
+            </a:r>
+          </a:p>
+          <a:p>
+            <a:pPr lvl="1"/>
+            <a:r>
+              <a:rPr lang="en-US" dirty="0"/>
+              <a:t>stage: starts a new pipeline stage</a:t>
+            </a:r>
+          </a:p>
+          <a:p>
+            <a:pPr lvl="1"/>
+            <a:r>
+              <a:rPr lang="en-US" dirty="0"/>
+              <a:t>agent: selects node for execution based on label</a:t>
+            </a:r>
+          </a:p>
+          <a:p>
+            <a:pPr lvl="1"/>
+            <a:r>
+              <a:rPr lang="en-US" dirty="0"/>
+              <a:t>checkout: checkouts code from SCM</a:t>
+            </a:r>
+          </a:p>
+          <a:p>
+            <a:pPr lvl="1"/>
+            <a:r>
+              <a:rPr lang="en-US" dirty="0" err="1"/>
+              <a:t>sh</a:t>
+            </a:r>
+            <a:r>
+              <a:rPr lang="en-US" dirty="0"/>
+              <a:t>: executes shell command</a:t>
+            </a:r>
+          </a:p>
+          <a:p>
+            <a:pPr lvl="1"/>
+            <a:r>
+              <a:rPr lang="en-US" dirty="0"/>
+              <a:t>bat: executes windows command line</a:t>
+            </a:r>
+          </a:p>
+          <a:p>
+            <a:pPr lvl="1"/>
+            <a:r>
+              <a:rPr lang="en-US" dirty="0"/>
+              <a:t>More…</a:t>
+            </a:r>
+          </a:p>
+          <a:p>
+            <a:r>
+              <a:rPr lang="en-US" dirty="0"/>
+              <a:t>Define pipeline as code</a:t>
+            </a:r>
+          </a:p>
+          <a:p>
+            <a:r>
+              <a:rPr lang="en-US" dirty="0"/>
+              <a:t>Declarative definition</a:t>
+            </a:r>
+          </a:p>
+          <a:p>
+            <a:r>
+              <a:rPr lang="en-US" dirty="0"/>
+              <a:t>Store pipeline definition with your app</a:t>
+            </a:r>
+          </a:p>
+          <a:p>
+            <a:endParaRPr lang="en-US" dirty="0"/>
+          </a:p>
+        </p:txBody>
+      </p:sp>
+    </p:spTree>
+    <p:extLst>
+      <p:ext uri="{BB962C8B-B14F-4D97-AF65-F5344CB8AC3E}">
+        <p14:creationId xmlns:p14="http://schemas.microsoft.com/office/powerpoint/2010/main" val="3468970420"/>
+      </p:ext>
+    </p:extLst>
+  </p:cSld>
+  <p:clrMapOvr>
+    <a:masterClrMapping/>
+  </p:clrMapOvr>
+</p:sld>
+</file>
+
+<file path=ppt/slides/slide11.xml><?xml version="1.0" encoding="utf-8"?>
+<p:sld xmlns:a="http://schemas.openxmlformats.org/drawingml/2006/main" xmlns:r="http://schemas.openxmlformats.org/officeDocument/2006/relationships" xmlns:p="http://schemas.openxmlformats.org/presentationml/2006/main">
+  <p:cSld>
+    <p:spTree>
+      <p:nvGrpSpPr>
+        <p:cNvPr id="1" name=""/>
+        <p:cNvGrpSpPr/>
+        <p:nvPr/>
+      </p:nvGrpSpPr>
+      <p:grpSpPr>
+        <a:xfrm>
+          <a:off x="0" y="0"/>
+          <a:ext cx="0" cy="0"/>
+          <a:chOff x="0" y="0"/>
+          <a:chExt cx="0" cy="0"/>
+        </a:xfrm>
+      </p:grpSpPr>
+      <p:sp>
+        <p:nvSpPr>
+          <p:cNvPr id="2" name="Title 1">
+            <a:extLst>
+              <a:ext uri="{FF2B5EF4-FFF2-40B4-BE49-F238E27FC236}">
+                <a16:creationId xmlns:a16="http://schemas.microsoft.com/office/drawing/2014/main" id="{74638506-F1A8-4686-B07B-BDF925703439}"/>
+              </a:ext>
+            </a:extLst>
+          </p:cNvPr>
+          <p:cNvSpPr>
+            <a:spLocks noGrp="1"/>
+          </p:cNvSpPr>
+          <p:nvPr>
+            <p:ph type="title"/>
+          </p:nvPr>
+        </p:nvSpPr>
+        <p:spPr/>
+        <p:txBody>
+          <a:bodyPr/>
+          <a:lstStyle/>
+          <a:p>
+            <a:r>
+              <a:rPr lang="en-US" dirty="0" err="1"/>
+              <a:t>Jenkinsfile</a:t>
+            </a:r>
+            <a:r>
+              <a:rPr lang="en-US" dirty="0"/>
+              <a:t> (Declarative Pipeline)</a:t>
+            </a:r>
+          </a:p>
+        </p:txBody>
+      </p:sp>
+      <p:pic>
+        <p:nvPicPr>
+          <p:cNvPr id="6" name="Content Placeholder 5">
+            <a:extLst>
+              <a:ext uri="{FF2B5EF4-FFF2-40B4-BE49-F238E27FC236}">
+                <a16:creationId xmlns:a16="http://schemas.microsoft.com/office/drawing/2014/main" id="{2136E983-F392-4645-9434-F773D0844A72}"/>
+              </a:ext>
+            </a:extLst>
+          </p:cNvPr>
+          <p:cNvPicPr>
+            <a:picLocks noGrp="1" noChangeAspect="1"/>
+          </p:cNvPicPr>
+          <p:nvPr>
+            <p:ph idx="1"/>
+          </p:nvPr>
+        </p:nvPicPr>
+        <p:blipFill>
+          <a:blip r:embed="rId2"/>
+          <a:stretch>
+            <a:fillRect/>
+          </a:stretch>
+        </p:blipFill>
+        <p:spPr>
+          <a:xfrm>
+            <a:off x="654295" y="1208088"/>
+            <a:ext cx="5968304" cy="5332412"/>
+          </a:xfrm>
+        </p:spPr>
+      </p:pic>
+    </p:spTree>
+    <p:extLst>
+      <p:ext uri="{BB962C8B-B14F-4D97-AF65-F5344CB8AC3E}">
+        <p14:creationId xmlns:p14="http://schemas.microsoft.com/office/powerpoint/2010/main" val="3770626865"/>
+      </p:ext>
+    </p:extLst>
+  </p:cSld>
+  <p:clrMapOvr>
+    <a:masterClrMapping/>
+  </p:clrMapOvr>
+</p:sld>
+</file>
+
+<file path=ppt/slides/slide12.xml><?xml version="1.0" encoding="utf-8"?>
 <p:sld xmlns:a="http://schemas.openxmlformats.org/drawingml/2006/main" xmlns:r="http://schemas.openxmlformats.org/officeDocument/2006/relationships" xmlns:p="http://schemas.openxmlformats.org/presentationml/2006/main">
   <p:cSld>
     <p:spTree>
@@ -10928,7 +11178,7 @@
           <p:cNvPr id="2" name="Title 1">
             <a:extLst>
               <a:ext uri="{FF2B5EF4-FFF2-40B4-BE49-F238E27FC236}">
-                <a16:creationId xmlns:a16="http://schemas.microsoft.com/office/drawing/2014/main" id="{EDE6E8EE-775D-4A79-B02D-2A8293344ACF}"/>
+                <a16:creationId xmlns:a16="http://schemas.microsoft.com/office/drawing/2014/main" id="{0191C241-4BE4-4516-B527-900EFA9D7DF2}"/>
               </a:ext>
             </a:extLst>
           </p:cNvPr>
@@ -10946,7 +11196,7 @@
           <a:p>
             <a:r>
               <a:rPr lang="en-US" dirty="0"/>
-              <a:t>Jenkins Pipeline</a:t>
+              <a:t>Jenkins Plugins</a:t>
             </a:r>
           </a:p>
         </p:txBody>
@@ -10956,7 +11206,7 @@
           <p:cNvPr id="3" name="Content Placeholder 2">
             <a:extLst>
               <a:ext uri="{FF2B5EF4-FFF2-40B4-BE49-F238E27FC236}">
-                <a16:creationId xmlns:a16="http://schemas.microsoft.com/office/drawing/2014/main" id="{8394AF99-79A4-46D7-B99B-D49907ABB5AE}"/>
+                <a16:creationId xmlns:a16="http://schemas.microsoft.com/office/drawing/2014/main" id="{8FFD05C2-EBF7-4053-A8C5-9C265B0B4B43}"/>
               </a:ext>
             </a:extLst>
           </p:cNvPr>
@@ -10973,87 +11223,40 @@
           <a:lstStyle/>
           <a:p>
             <a:r>
-              <a:rPr lang="en-US" dirty="0" err="1"/>
-              <a:t>Jenkinsfile</a:t>
-            </a:r>
-            <a:r>
-              <a:rPr lang="en-US" dirty="0"/>
-              <a:t> (describe pipeline using Jenkins Pipeline DSL)</a:t>
-            </a:r>
-          </a:p>
-          <a:p>
-            <a:pPr lvl="1"/>
-            <a:r>
-              <a:rPr lang="en-US" dirty="0"/>
-              <a:t>stage: starts a new pipeline stage</a:t>
-            </a:r>
-          </a:p>
-          <a:p>
-            <a:pPr lvl="1"/>
-            <a:r>
-              <a:rPr lang="en-US" dirty="0"/>
-              <a:t>agent: selects node for execution based on label</a:t>
-            </a:r>
-          </a:p>
-          <a:p>
-            <a:pPr lvl="1"/>
-            <a:r>
-              <a:rPr lang="en-US" dirty="0"/>
-              <a:t>checkout: checkouts code from SCM</a:t>
-            </a:r>
-          </a:p>
-          <a:p>
-            <a:pPr lvl="1"/>
-            <a:r>
-              <a:rPr lang="en-US" dirty="0" err="1"/>
-              <a:t>sh</a:t>
-            </a:r>
-            <a:r>
-              <a:rPr lang="en-US" dirty="0"/>
-              <a:t>: executes shell command</a:t>
-            </a:r>
-          </a:p>
-          <a:p>
-            <a:pPr lvl="1"/>
-            <a:r>
-              <a:rPr lang="en-US" dirty="0"/>
-              <a:t>bat: executes windows command line</a:t>
-            </a:r>
-          </a:p>
-          <a:p>
-            <a:pPr lvl="1"/>
-            <a:r>
-              <a:rPr lang="en-US" dirty="0"/>
-              <a:t>More…</a:t>
-            </a:r>
-          </a:p>
-          <a:p>
-            <a:r>
-              <a:rPr lang="en-US" dirty="0"/>
-              <a:t>Define pipeline as code</a:t>
-            </a:r>
-          </a:p>
-          <a:p>
-            <a:r>
-              <a:rPr lang="en-US" dirty="0"/>
-              <a:t>Declarative definition</a:t>
-            </a:r>
-          </a:p>
-          <a:p>
-            <a:r>
-              <a:rPr lang="en-US" dirty="0"/>
-              <a:t>Store pipeline definition with your app</a:t>
-            </a:r>
-          </a:p>
-          <a:p>
-            <a:endParaRPr lang="en-US" dirty="0"/>
+              <a:rPr lang="en-US" dirty="0"/>
+              <a:t>Extend Jenkins functionality</a:t>
+            </a:r>
+          </a:p>
+          <a:p>
+            <a:r>
+              <a:rPr lang="en-US" dirty="0"/>
+              <a:t>Jenkins core plugins</a:t>
+            </a:r>
+          </a:p>
+          <a:p>
+            <a:r>
+              <a:rPr lang="en-US" dirty="0"/>
+              <a:t>Jenkins community plugins</a:t>
+            </a:r>
+          </a:p>
+          <a:p>
+            <a:r>
+              <a:rPr lang="en-US" dirty="0"/>
+              <a:t>Jenkins external vendor plugins</a:t>
+            </a:r>
+          </a:p>
+          <a:p>
+            <a:r>
+              <a:rPr lang="en-US" dirty="0"/>
+              <a:t>700+ Plugins</a:t>
+            </a:r>
           </a:p>
         </p:txBody>
       </p:sp>
     </p:spTree>
     <p:extLst>
       <p:ext uri="{BB962C8B-B14F-4D97-AF65-F5344CB8AC3E}">
-        <p14:creationId xmlns:p14="http://schemas.microsoft.com/office/powerpoint/2010/main" val="3468970420"/>
+        <p14:creationId xmlns:p14="http://schemas.microsoft.com/office/powerpoint/2010/main" val="1353765025"/>
       </p:ext>
     </p:extLst>
   </p:cSld>
@@ -11085,7 +11288,7 @@
           <p:cNvPr id="2" name="Title 1">
             <a:extLst>
               <a:ext uri="{FF2B5EF4-FFF2-40B4-BE49-F238E27FC236}">
-                <a16:creationId xmlns:a16="http://schemas.microsoft.com/office/drawing/2014/main" id="{74638506-F1A8-4686-B07B-BDF925703439}"/>
+                <a16:creationId xmlns:a16="http://schemas.microsoft.com/office/drawing/2014/main" id="{B5D85556-506B-42F5-B4B8-1741F7629022}"/>
               </a:ext>
             </a:extLst>
           </p:cNvPr>
@@ -11102,49 +11305,85 @@
           <a:lstStyle/>
           <a:p>
             <a:r>
-              <a:rPr lang="en-US" dirty="0" err="1"/>
-              <a:t>Jenkinsfile</a:t>
-            </a:r>
-            <a:r>
-              <a:rPr lang="en-US" dirty="0"/>
-              <a:t> (Declarative Pipeline)</a:t>
+              <a:rPr lang="en-US" dirty="0"/>
+              <a:t>Main Components</a:t>
             </a:r>
           </a:p>
         </p:txBody>
       </p:sp>
-      <p:pic>
-        <p:nvPicPr>
-          <p:cNvPr id="6" name="Content Placeholder 5">
+      <p:sp>
+        <p:nvSpPr>
+          <p:cNvPr id="3" name="Content Placeholder 2">
             <a:extLst>
               <a:ext uri="{FF2B5EF4-FFF2-40B4-BE49-F238E27FC236}">
-                <a16:creationId xmlns:a16="http://schemas.microsoft.com/office/drawing/2014/main" id="{2136E983-F392-4645-9434-F773D0844A72}"/>
+                <a16:creationId xmlns:a16="http://schemas.microsoft.com/office/drawing/2014/main" id="{54345179-93DC-4AF8-835A-9C9595B3AFD9}"/>
               </a:ext>
             </a:extLst>
           </p:cNvPr>
-          <p:cNvPicPr>
-            <a:picLocks noGrp="1" noChangeAspect="1"/>
-          </p:cNvPicPr>
+          <p:cNvSpPr>
+            <a:spLocks noGrp="1"/>
+          </p:cNvSpPr>
           <p:nvPr>
             <p:ph idx="1"/>
           </p:nvPr>
-        </p:nvPicPr>
-        <p:blipFill>
-          <a:blip r:embed="rId2"/>
-          <a:stretch>
-            <a:fillRect/>
-          </a:stretch>
-        </p:blipFill>
-        <p:spPr>
-          <a:xfrm>
-            <a:off x="654295" y="1208088"/>
-            <a:ext cx="5968304" cy="5332412"/>
-          </a:xfrm>
-        </p:spPr>
-      </p:pic>
+        </p:nvSpPr>
+        <p:spPr/>
+        <p:txBody>
+          <a:bodyPr/>
+          <a:lstStyle/>
+          <a:p>
+            <a:r>
+              <a:rPr lang="en-US" dirty="0"/>
+              <a:t>Controller – the main Jenkins server</a:t>
+            </a:r>
+          </a:p>
+          <a:p>
+            <a:r>
+              <a:rPr lang="en-US" dirty="0"/>
+              <a:t>Agent/Node – additional Jenkins servers used to run builds</a:t>
+            </a:r>
+          </a:p>
+          <a:p>
+            <a:r>
+              <a:rPr lang="en-US" dirty="0"/>
+              <a:t>Cloud – run dynamic agents in a </a:t>
+            </a:r>
+            <a:r>
+              <a:rPr lang="en-US"/>
+              <a:t>Kubernetes cluster</a:t>
+            </a:r>
+            <a:endParaRPr lang="en-US" dirty="0"/>
+          </a:p>
+          <a:p>
+            <a:r>
+              <a:rPr lang="en-US" dirty="0"/>
+              <a:t>Job – unit of work</a:t>
+            </a:r>
+          </a:p>
+          <a:p>
+            <a:r>
+              <a:rPr lang="en-US" dirty="0"/>
+              <a:t>View – defined collection(list) of jobs</a:t>
+            </a:r>
+          </a:p>
+          <a:p>
+            <a:r>
+              <a:rPr lang="en-US" dirty="0"/>
+              <a:t>Folder – organizational unit for jobs</a:t>
+            </a:r>
+          </a:p>
+          <a:p>
+            <a:r>
+              <a:rPr lang="en-US" dirty="0"/>
+              <a:t>Secret - </a:t>
+            </a:r>
+          </a:p>
+        </p:txBody>
+      </p:sp>
     </p:spTree>
     <p:extLst>
       <p:ext uri="{BB962C8B-B14F-4D97-AF65-F5344CB8AC3E}">
-        <p14:creationId xmlns:p14="http://schemas.microsoft.com/office/powerpoint/2010/main" val="3770626865"/>
+        <p14:creationId xmlns:p14="http://schemas.microsoft.com/office/powerpoint/2010/main" val="1287209089"/>
       </p:ext>
     </p:extLst>
   </p:cSld>
